--- a/Presentation for class.pptx
+++ b/Presentation for class.pptx
@@ -7,6 +7,7 @@
   <p:sldIdLst>
     <p:sldId id="256" r:id="rId2"/>
     <p:sldId id="257" r:id="rId3"/>
+    <p:sldId id="258" r:id="rId4"/>
   </p:sldIdLst>
   <p:sldSz cx="9144000" cy="6858000" type="screen4x3"/>
   <p:notesSz cx="6858000" cy="9144000"/>
@@ -3299,6 +3300,136 @@
       </p:par>
     </p:tnLst>
   </p:timing>
+</p:sld>
+</file>
+
+<file path=ppt/slides/slide3.xml><?xml version="1.0" encoding="utf-8"?>
+<p:sld xmlns:a="http://schemas.openxmlformats.org/drawingml/2006/main" xmlns:r="http://schemas.openxmlformats.org/officeDocument/2006/relationships" xmlns:p="http://schemas.openxmlformats.org/presentationml/2006/main">
+  <p:cSld>
+    <p:spTree>
+      <p:nvGrpSpPr>
+        <p:cNvPr id="1" name=""/>
+        <p:cNvGrpSpPr/>
+        <p:nvPr/>
+      </p:nvGrpSpPr>
+      <p:grpSpPr>
+        <a:xfrm>
+          <a:off x="0" y="0"/>
+          <a:ext cx="0" cy="0"/>
+          <a:chOff x="0" y="0"/>
+          <a:chExt cx="0" cy="0"/>
+        </a:xfrm>
+      </p:grpSpPr>
+      <p:sp>
+        <p:nvSpPr>
+          <p:cNvPr id="2" name="Title 1"/>
+          <p:cNvSpPr>
+            <a:spLocks noGrp="1"/>
+          </p:cNvSpPr>
+          <p:nvPr>
+            <p:ph type="title"/>
+          </p:nvPr>
+        </p:nvSpPr>
+        <p:spPr/>
+        <p:txBody>
+          <a:bodyPr/>
+          <a:lstStyle/>
+          <a:p>
+            <a:r>
+              <a:rPr lang="en-US" dirty="0" smtClean="0">
+                <a:solidFill>
+                  <a:srgbClr val="00F900"/>
+                </a:solidFill>
+              </a:rPr>
+              <a:t>Things We Learned</a:t>
+            </a:r>
+            <a:endParaRPr lang="en-US" dirty="0">
+              <a:solidFill>
+                <a:srgbClr val="00F900"/>
+              </a:solidFill>
+            </a:endParaRPr>
+          </a:p>
+        </p:txBody>
+      </p:sp>
+      <p:sp>
+        <p:nvSpPr>
+          <p:cNvPr id="3" name="Content Placeholder 2"/>
+          <p:cNvSpPr>
+            <a:spLocks noGrp="1"/>
+          </p:cNvSpPr>
+          <p:nvPr>
+            <p:ph idx="1"/>
+          </p:nvPr>
+        </p:nvSpPr>
+        <p:spPr/>
+        <p:txBody>
+          <a:bodyPr/>
+          <a:lstStyle/>
+          <a:p>
+            <a:r>
+              <a:rPr lang="en-US" dirty="0" smtClean="0">
+                <a:solidFill>
+                  <a:schemeClr val="bg2"/>
+                </a:solidFill>
+              </a:rPr>
+              <a:t>How to get input from the Keyboard through the GUI</a:t>
+            </a:r>
+          </a:p>
+          <a:p>
+            <a:r>
+              <a:rPr lang="en-US" dirty="0" smtClean="0">
+                <a:solidFill>
+                  <a:srgbClr val="EEECE1"/>
+                </a:solidFill>
+              </a:rPr>
+              <a:t>Usefulness of everything drawing itself</a:t>
+            </a:r>
+          </a:p>
+          <a:p>
+            <a:r>
+              <a:rPr lang="en-US" dirty="0" smtClean="0">
+                <a:solidFill>
+                  <a:srgbClr val="EEECE1"/>
+                </a:solidFill>
+              </a:rPr>
+              <a:t>Importance of using tests to test functionality</a:t>
+            </a:r>
+          </a:p>
+          <a:p>
+            <a:r>
+              <a:rPr lang="en-US" dirty="0" smtClean="0">
+                <a:solidFill>
+                  <a:srgbClr val="EEECE1"/>
+                </a:solidFill>
+              </a:rPr>
+              <a:t>Importance of breaking up functionality and simplifying functions and classes</a:t>
+            </a:r>
+          </a:p>
+          <a:p>
+            <a:r>
+              <a:rPr lang="en-US" dirty="0" smtClean="0">
+                <a:solidFill>
+                  <a:srgbClr val="EEECE1"/>
+                </a:solidFill>
+              </a:rPr>
+              <a:t>How awesome auto-generation is</a:t>
+            </a:r>
+          </a:p>
+          <a:p>
+            <a:endParaRPr lang="en-US" dirty="0"/>
+          </a:p>
+        </p:txBody>
+      </p:sp>
+    </p:spTree>
+    <p:extLst>
+      <p:ext uri="{BB962C8B-B14F-4D97-AF65-F5344CB8AC3E}">
+        <p14:creationId xmlns:p14="http://schemas.microsoft.com/office/powerpoint/2010/main" val="1777821053"/>
+      </p:ext>
+    </p:extLst>
+  </p:cSld>
+  <p:clrMapOvr>
+    <a:masterClrMapping/>
+  </p:clrMapOvr>
 </p:sld>
 </file>
 

--- a/Presentation for class.pptx
+++ b/Presentation for class.pptx
@@ -3255,28 +3255,36 @@
       </p:sp>
       <p:pic>
         <p:nvPicPr>
-          <p:cNvPr id="6" name="Picture 5" descr="Screen Shot 2013-04-29 at 5.29.15 PM.png"/>
+          <p:cNvPr id="3" name="Picture 2" descr="Screen Shot 2013-04-29 at 9.36.04 PM.png"/>
           <p:cNvPicPr>
             <a:picLocks noChangeAspect="1"/>
           </p:cNvPicPr>
           <p:nvPr/>
         </p:nvPicPr>
-        <p:blipFill>
+        <p:blipFill rotWithShape="1">
           <a:blip r:embed="rId2">
             <a:extLst>
+              <a:ext uri="{BEBA8EAE-BF5A-486C-A8C5-ECC9F3942E4B}">
+                <a14:imgProps xmlns:a14="http://schemas.microsoft.com/office/drawing/2010/main">
+                  <a14:imgLayer r:embed="rId3">
+                    <a14:imgEffect>
+                      <a14:sharpenSoften amount="50000"/>
+                    </a14:imgEffect>
+                  </a14:imgLayer>
+                </a14:imgProps>
+              </a:ext>
               <a:ext uri="{28A0092B-C50C-407E-A947-70E740481C1C}">
                 <a14:useLocalDpi xmlns:a14="http://schemas.microsoft.com/office/drawing/2010/main" val="0"/>
               </a:ext>
             </a:extLst>
           </a:blip>
-          <a:stretch>
-            <a:fillRect/>
-          </a:stretch>
+          <a:srcRect l="9236" r="6731"/>
+          <a:stretch/>
         </p:blipFill>
         <p:spPr>
           <a:xfrm>
-            <a:off x="923678" y="1417638"/>
-            <a:ext cx="7174999" cy="4570225"/>
+            <a:off x="1055632" y="1647004"/>
+            <a:ext cx="6795632" cy="4610309"/>
           </a:xfrm>
           <a:prstGeom prst="rect">
             <a:avLst/>
@@ -3363,7 +3371,9 @@
         </p:nvSpPr>
         <p:spPr/>
         <p:txBody>
-          <a:bodyPr/>
+          <a:bodyPr>
+            <a:normAutofit lnSpcReduction="10000"/>
+          </a:bodyPr>
           <a:lstStyle/>
           <a:p>
             <a:r>
@@ -3392,18 +3402,44 @@
                   <a:srgbClr val="EEECE1"/>
                 </a:solidFill>
               </a:rPr>
-              <a:t>Importance of using tests to test functionality</a:t>
-            </a:r>
-          </a:p>
-          <a:p>
+              <a:t>Importance of using tests to </a:t>
+            </a:r>
             <a:r>
               <a:rPr lang="en-US" dirty="0" smtClean="0">
                 <a:solidFill>
                   <a:srgbClr val="EEECE1"/>
                 </a:solidFill>
               </a:rPr>
-              <a:t>Importance of breaking up functionality and simplifying functions and classes</a:t>
-            </a:r>
+              <a:t>ensure correct functionality</a:t>
+            </a:r>
+            <a:endParaRPr lang="en-US" dirty="0" smtClean="0">
+              <a:solidFill>
+                <a:srgbClr val="EEECE1"/>
+              </a:solidFill>
+            </a:endParaRPr>
+          </a:p>
+          <a:p>
+            <a:r>
+              <a:rPr lang="en-US" dirty="0" smtClean="0">
+                <a:solidFill>
+                  <a:srgbClr val="EEECE1"/>
+                </a:solidFill>
+              </a:rPr>
+              <a:t>Importance of breaking up functionality and simplifying functions and </a:t>
+            </a:r>
+            <a:r>
+              <a:rPr lang="en-US" dirty="0" smtClean="0">
+                <a:solidFill>
+                  <a:srgbClr val="EEECE1"/>
+                </a:solidFill>
+              </a:rPr>
+              <a:t>classes as much as possible</a:t>
+            </a:r>
+            <a:endParaRPr lang="en-US" dirty="0" smtClean="0">
+              <a:solidFill>
+                <a:srgbClr val="EEECE1"/>
+              </a:solidFill>
+            </a:endParaRPr>
           </a:p>
           <a:p>
             <a:r>
@@ -3430,6 +3466,13 @@
   <p:clrMapOvr>
     <a:masterClrMapping/>
   </p:clrMapOvr>
+  <p:timing>
+    <p:tnLst>
+      <p:par>
+        <p:cTn xmlns:p14="http://schemas.microsoft.com/office/powerpoint/2010/main" id="1" dur="indefinite" restart="never" nodeType="tmRoot"/>
+      </p:par>
+    </p:tnLst>
+  </p:timing>
 </p:sld>
 </file>
 
